--- a/presentation.pptx
+++ b/presentation.pptx
@@ -5,13 +5,14 @@
     <p:sldMasterId id="2147483648" r:id="rId1"/>
   </p:sldMasterIdLst>
   <p:notesMasterIdLst>
-    <p:notesMasterId r:id="rId6"/>
+    <p:notesMasterId r:id="rId7"/>
   </p:notesMasterIdLst>
   <p:sldIdLst>
     <p:sldId id="261" r:id="rId2"/>
     <p:sldId id="263" r:id="rId3"/>
     <p:sldId id="264" r:id="rId4"/>
     <p:sldId id="265" r:id="rId5"/>
+    <p:sldId id="266" r:id="rId6"/>
   </p:sldIdLst>
   <p:sldSz cx="12192000" cy="6858000"/>
   <p:notesSz cx="6858000" cy="9144000"/>
@@ -127,6 +128,50 @@
     </p:ext>
   </p:extLst>
 </p:presentation>
+</file>
+
+<file path=ppt/changesInfos/changesInfo1.xml><?xml version="1.0" encoding="utf-8"?>
+<pc:chgInfo xmlns:a="http://schemas.openxmlformats.org/drawingml/2006/main" xmlns:r="http://schemas.openxmlformats.org/officeDocument/2006/relationships" xmlns:ac="http://schemas.microsoft.com/office/drawing/2013/main/command" xmlns:pc="http://schemas.microsoft.com/office/powerpoint/2013/main/command">
+  <pc:docChgLst>
+    <pc:chgData name="Wildhaber Ralph" userId="b39d2334-c612-409d-92bd-81638dab40bd" providerId="ADAL" clId="{9246B68A-3D67-456A-81C7-D367DD9EED80}"/>
+    <pc:docChg chg="addSld modSld">
+      <pc:chgData name="Wildhaber Ralph" userId="b39d2334-c612-409d-92bd-81638dab40bd" providerId="ADAL" clId="{9246B68A-3D67-456A-81C7-D367DD9EED80}" dt="2025-05-20T15:02:58.457" v="30" actId="20577"/>
+      <pc:docMkLst>
+        <pc:docMk/>
+      </pc:docMkLst>
+      <pc:sldChg chg="modSp mod">
+        <pc:chgData name="Wildhaber Ralph" userId="b39d2334-c612-409d-92bd-81638dab40bd" providerId="ADAL" clId="{9246B68A-3D67-456A-81C7-D367DD9EED80}" dt="2025-05-20T15:00:47.927" v="0" actId="20577"/>
+        <pc:sldMkLst>
+          <pc:docMk/>
+          <pc:sldMk cId="1234949343" sldId="263"/>
+        </pc:sldMkLst>
+        <pc:spChg chg="mod">
+          <ac:chgData name="Wildhaber Ralph" userId="b39d2334-c612-409d-92bd-81638dab40bd" providerId="ADAL" clId="{9246B68A-3D67-456A-81C7-D367DD9EED80}" dt="2025-05-20T15:00:47.927" v="0" actId="20577"/>
+          <ac:spMkLst>
+            <pc:docMk/>
+            <pc:sldMk cId="1234949343" sldId="263"/>
+            <ac:spMk id="3" creationId="{B53628FB-A831-5BEA-5C2E-5BE561E7E16C}"/>
+          </ac:spMkLst>
+        </pc:spChg>
+      </pc:sldChg>
+      <pc:sldChg chg="modSp new mod">
+        <pc:chgData name="Wildhaber Ralph" userId="b39d2334-c612-409d-92bd-81638dab40bd" providerId="ADAL" clId="{9246B68A-3D67-456A-81C7-D367DD9EED80}" dt="2025-05-20T15:02:58.457" v="30" actId="20577"/>
+        <pc:sldMkLst>
+          <pc:docMk/>
+          <pc:sldMk cId="798947896" sldId="266"/>
+        </pc:sldMkLst>
+        <pc:spChg chg="mod">
+          <ac:chgData name="Wildhaber Ralph" userId="b39d2334-c612-409d-92bd-81638dab40bd" providerId="ADAL" clId="{9246B68A-3D67-456A-81C7-D367DD9EED80}" dt="2025-05-20T15:02:58.457" v="30" actId="20577"/>
+          <ac:spMkLst>
+            <pc:docMk/>
+            <pc:sldMk cId="798947896" sldId="266"/>
+            <ac:spMk id="2" creationId="{4F042840-550D-E688-1773-7FFE5C04D7E3}"/>
+          </ac:spMkLst>
+        </pc:spChg>
+      </pc:sldChg>
+    </pc:docChg>
+  </pc:docChgLst>
+</pc:chgInfo>
 </file>
 
 <file path=ppt/diagrams/colors1.xml><?xml version="1.0" encoding="utf-8"?>
@@ -11200,15 +11245,7 @@
             </a:pPr>
             <a:r>
               <a:rPr lang="de-DE" sz="3500" dirty="0"/>
-              <a:t>Ein interaktives Dashboard zur Visualisierung und Analyse der Bestände und der neuen </a:t>
-            </a:r>
-            <a:r>
-              <a:rPr lang="de-DE" sz="3500" dirty="0" err="1"/>
-              <a:t>Inverkehrssetzungen</a:t>
-            </a:r>
-            <a:r>
-              <a:rPr lang="de-DE" sz="3500" dirty="0"/>
-              <a:t> von Personenwagen nach Treibstoffarten, absolut und pro 1000 Personen - für alle Gemeinden und Kantone der Schweiz im Zeitraum zwischen 2010 und 2024.</a:t>
+              <a:t>Ein interaktives Dashboard zur Visualisierung und Analyse der Bestände und der neuen Inverkehrsetzungen von Personenwagen nach Treibstoffarten, absolut und pro 1000 Personen - für alle Gemeinden und Kantone der Schweiz im Zeitraum zwischen 2010 und 2024.</a:t>
             </a:r>
           </a:p>
           <a:p>
@@ -11614,6 +11651,89 @@
     <p:extLst>
       <p:ext uri="{BB962C8B-B14F-4D97-AF65-F5344CB8AC3E}">
         <p14:creationId xmlns:p14="http://schemas.microsoft.com/office/powerpoint/2010/main" val="4116158276"/>
+      </p:ext>
+    </p:extLst>
+  </p:cSld>
+  <p:clrMapOvr>
+    <a:masterClrMapping/>
+  </p:clrMapOvr>
+</p:sld>
+</file>
+
+<file path=ppt/slides/slide5.xml><?xml version="1.0" encoding="utf-8"?>
+<p:sld xmlns:a="http://schemas.openxmlformats.org/drawingml/2006/main" xmlns:r="http://schemas.openxmlformats.org/officeDocument/2006/relationships" xmlns:p="http://schemas.openxmlformats.org/presentationml/2006/main">
+  <p:cSld>
+    <p:spTree>
+      <p:nvGrpSpPr>
+        <p:cNvPr id="1" name=""/>
+        <p:cNvGrpSpPr/>
+        <p:nvPr/>
+      </p:nvGrpSpPr>
+      <p:grpSpPr>
+        <a:xfrm>
+          <a:off x="0" y="0"/>
+          <a:ext cx="0" cy="0"/>
+          <a:chOff x="0" y="0"/>
+          <a:chExt cx="0" cy="0"/>
+        </a:xfrm>
+      </p:grpSpPr>
+      <p:sp>
+        <p:nvSpPr>
+          <p:cNvPr id="2" name="Titel 1">
+            <a:extLst>
+              <a:ext uri="{FF2B5EF4-FFF2-40B4-BE49-F238E27FC236}">
+                <a16:creationId xmlns:a16="http://schemas.microsoft.com/office/drawing/2014/main" id="{4F042840-550D-E688-1773-7FFE5C04D7E3}"/>
+              </a:ext>
+            </a:extLst>
+          </p:cNvPr>
+          <p:cNvSpPr>
+            <a:spLocks noGrp="1"/>
+          </p:cNvSpPr>
+          <p:nvPr>
+            <p:ph type="title"/>
+          </p:nvPr>
+        </p:nvSpPr>
+        <p:spPr/>
+        <p:txBody>
+          <a:bodyPr/>
+          <a:lstStyle/>
+          <a:p>
+            <a:r>
+              <a:rPr lang="de-CH" dirty="0"/>
+              <a:t>Screenshot einfügen</a:t>
+            </a:r>
+          </a:p>
+        </p:txBody>
+      </p:sp>
+      <p:sp>
+        <p:nvSpPr>
+          <p:cNvPr id="3" name="Inhaltsplatzhalter 2">
+            <a:extLst>
+              <a:ext uri="{FF2B5EF4-FFF2-40B4-BE49-F238E27FC236}">
+                <a16:creationId xmlns:a16="http://schemas.microsoft.com/office/drawing/2014/main" id="{EDBF81EF-49B2-C886-02F1-A4DA57A3B2D4}"/>
+              </a:ext>
+            </a:extLst>
+          </p:cNvPr>
+          <p:cNvSpPr>
+            <a:spLocks noGrp="1"/>
+          </p:cNvSpPr>
+          <p:nvPr>
+            <p:ph idx="1"/>
+          </p:nvPr>
+        </p:nvSpPr>
+        <p:spPr/>
+        <p:txBody>
+          <a:bodyPr/>
+          <a:lstStyle/>
+          <a:p>
+            <a:endParaRPr lang="de-CH"/>
+          </a:p>
+        </p:txBody>
+      </p:sp>
+    </p:spTree>
+    <p:extLst>
+      <p:ext uri="{BB962C8B-B14F-4D97-AF65-F5344CB8AC3E}">
+        <p14:creationId xmlns:p14="http://schemas.microsoft.com/office/powerpoint/2010/main" val="798947896"/>
       </p:ext>
     </p:extLst>
   </p:cSld>

--- a/presentation.pptx
+++ b/presentation.pptx
@@ -133,6 +133,149 @@
 <file path=ppt/changesInfos/changesInfo1.xml><?xml version="1.0" encoding="utf-8"?>
 <pc:chgInfo xmlns:a="http://schemas.openxmlformats.org/drawingml/2006/main" xmlns:r="http://schemas.openxmlformats.org/officeDocument/2006/relationships" xmlns:ac="http://schemas.microsoft.com/office/drawing/2013/main/command" xmlns:pc="http://schemas.microsoft.com/office/powerpoint/2013/main/command">
   <pc:docChgLst>
+    <pc:chgData name="Weiss Raphael" userId="3e22ddfc-305e-4818-afd2-461c131e7fef" providerId="ADAL" clId="{EDF1CFBB-5F7C-4275-8ED8-6146AD466CD8}"/>
+    <pc:docChg chg="undo custSel modSld">
+      <pc:chgData name="Weiss Raphael" userId="3e22ddfc-305e-4818-afd2-461c131e7fef" providerId="ADAL" clId="{EDF1CFBB-5F7C-4275-8ED8-6146AD466CD8}" dt="2025-05-22T14:29:52.955" v="62" actId="26606"/>
+      <pc:docMkLst>
+        <pc:docMk/>
+      </pc:docMkLst>
+      <pc:sldChg chg="addSp delSp modSp mod setBg">
+        <pc:chgData name="Weiss Raphael" userId="3e22ddfc-305e-4818-afd2-461c131e7fef" providerId="ADAL" clId="{EDF1CFBB-5F7C-4275-8ED8-6146AD466CD8}" dt="2025-05-22T14:29:52.955" v="62" actId="26606"/>
+        <pc:sldMkLst>
+          <pc:docMk/>
+          <pc:sldMk cId="2860367759" sldId="261"/>
+        </pc:sldMkLst>
+        <pc:spChg chg="mod">
+          <ac:chgData name="Weiss Raphael" userId="3e22ddfc-305e-4818-afd2-461c131e7fef" providerId="ADAL" clId="{EDF1CFBB-5F7C-4275-8ED8-6146AD466CD8}" dt="2025-05-22T14:29:52.955" v="62" actId="26606"/>
+          <ac:spMkLst>
+            <pc:docMk/>
+            <pc:sldMk cId="2860367759" sldId="261"/>
+            <ac:spMk id="2" creationId="{607B3D45-7F98-E46A-81E4-38FC9DDD4673}"/>
+          </ac:spMkLst>
+        </pc:spChg>
+        <pc:spChg chg="mod ord">
+          <ac:chgData name="Weiss Raphael" userId="3e22ddfc-305e-4818-afd2-461c131e7fef" providerId="ADAL" clId="{EDF1CFBB-5F7C-4275-8ED8-6146AD466CD8}" dt="2025-05-22T14:29:52.955" v="62" actId="26606"/>
+          <ac:spMkLst>
+            <pc:docMk/>
+            <pc:sldMk cId="2860367759" sldId="261"/>
+            <ac:spMk id="3" creationId="{DB6BE4B8-C9BB-B109-22EE-06C61522C757}"/>
+          </ac:spMkLst>
+        </pc:spChg>
+        <pc:spChg chg="add del">
+          <ac:chgData name="Weiss Raphael" userId="3e22ddfc-305e-4818-afd2-461c131e7fef" providerId="ADAL" clId="{EDF1CFBB-5F7C-4275-8ED8-6146AD466CD8}" dt="2025-05-22T14:29:52.939" v="61" actId="26606"/>
+          <ac:spMkLst>
+            <pc:docMk/>
+            <pc:sldMk cId="2860367759" sldId="261"/>
+            <ac:spMk id="12" creationId="{AE3A741D-C19B-960A-5803-1C5887147820}"/>
+          </ac:spMkLst>
+        </pc:spChg>
+        <pc:spChg chg="add del">
+          <ac:chgData name="Weiss Raphael" userId="3e22ddfc-305e-4818-afd2-461c131e7fef" providerId="ADAL" clId="{EDF1CFBB-5F7C-4275-8ED8-6146AD466CD8}" dt="2025-05-22T14:29:52.939" v="61" actId="26606"/>
+          <ac:spMkLst>
+            <pc:docMk/>
+            <pc:sldMk cId="2860367759" sldId="261"/>
+            <ac:spMk id="14" creationId="{DC39DE25-0E4E-0AA7-0932-1D78C2372786}"/>
+          </ac:spMkLst>
+        </pc:spChg>
+        <pc:spChg chg="add del">
+          <ac:chgData name="Weiss Raphael" userId="3e22ddfc-305e-4818-afd2-461c131e7fef" providerId="ADAL" clId="{EDF1CFBB-5F7C-4275-8ED8-6146AD466CD8}" dt="2025-05-22T14:29:52.939" v="61" actId="26606"/>
+          <ac:spMkLst>
+            <pc:docMk/>
+            <pc:sldMk cId="2860367759" sldId="261"/>
+            <ac:spMk id="16" creationId="{8D6EA299-0840-6DEA-E670-C49AEBC87E89}"/>
+          </ac:spMkLst>
+        </pc:spChg>
+        <pc:spChg chg="add">
+          <ac:chgData name="Weiss Raphael" userId="3e22ddfc-305e-4818-afd2-461c131e7fef" providerId="ADAL" clId="{EDF1CFBB-5F7C-4275-8ED8-6146AD466CD8}" dt="2025-05-22T14:29:52.955" v="62" actId="26606"/>
+          <ac:spMkLst>
+            <pc:docMk/>
+            <pc:sldMk cId="2860367759" sldId="261"/>
+            <ac:spMk id="18" creationId="{ECC07320-C2CA-4E29-8481-9D9E143C7788}"/>
+          </ac:spMkLst>
+        </pc:spChg>
+        <pc:spChg chg="add">
+          <ac:chgData name="Weiss Raphael" userId="3e22ddfc-305e-4818-afd2-461c131e7fef" providerId="ADAL" clId="{EDF1CFBB-5F7C-4275-8ED8-6146AD466CD8}" dt="2025-05-22T14:29:52.955" v="62" actId="26606"/>
+          <ac:spMkLst>
+            <pc:docMk/>
+            <pc:sldMk cId="2860367759" sldId="261"/>
+            <ac:spMk id="19" creationId="{178FB36B-5BFE-42CA-BC60-1115E0D95EEC}"/>
+          </ac:spMkLst>
+        </pc:spChg>
+        <pc:picChg chg="add del mod ord modCrop">
+          <ac:chgData name="Weiss Raphael" userId="3e22ddfc-305e-4818-afd2-461c131e7fef" providerId="ADAL" clId="{EDF1CFBB-5F7C-4275-8ED8-6146AD466CD8}" dt="2025-05-22T14:28:30.172" v="58" actId="478"/>
+          <ac:picMkLst>
+            <pc:docMk/>
+            <pc:sldMk cId="2860367759" sldId="261"/>
+            <ac:picMk id="5" creationId="{C22E6E39-95E2-9793-C443-920DC8CEC59B}"/>
+          </ac:picMkLst>
+        </pc:picChg>
+        <pc:picChg chg="add mod ord">
+          <ac:chgData name="Weiss Raphael" userId="3e22ddfc-305e-4818-afd2-461c131e7fef" providerId="ADAL" clId="{EDF1CFBB-5F7C-4275-8ED8-6146AD466CD8}" dt="2025-05-22T14:29:52.955" v="62" actId="26606"/>
+          <ac:picMkLst>
+            <pc:docMk/>
+            <pc:sldMk cId="2860367759" sldId="261"/>
+            <ac:picMk id="7" creationId="{1B1E25B5-5A52-9943-7EE6-02DF3EDC10A8}"/>
+          </ac:picMkLst>
+        </pc:picChg>
+        <pc:picChg chg="del">
+          <ac:chgData name="Weiss Raphael" userId="3e22ddfc-305e-4818-afd2-461c131e7fef" providerId="ADAL" clId="{EDF1CFBB-5F7C-4275-8ED8-6146AD466CD8}" dt="2025-05-22T14:22:47.142" v="5" actId="478"/>
+          <ac:picMkLst>
+            <pc:docMk/>
+            <pc:sldMk cId="2860367759" sldId="261"/>
+            <ac:picMk id="23" creationId="{454F4595-023C-F55C-1DEB-56A4CE0BBB49}"/>
+          </ac:picMkLst>
+        </pc:picChg>
+      </pc:sldChg>
+      <pc:sldChg chg="addSp delSp modSp mod">
+        <pc:chgData name="Weiss Raphael" userId="3e22ddfc-305e-4818-afd2-461c131e7fef" providerId="ADAL" clId="{EDF1CFBB-5F7C-4275-8ED8-6146AD466CD8}" dt="2025-05-22T14:28:16.830" v="57" actId="1076"/>
+        <pc:sldMkLst>
+          <pc:docMk/>
+          <pc:sldMk cId="798947896" sldId="266"/>
+        </pc:sldMkLst>
+        <pc:spChg chg="del">
+          <ac:chgData name="Weiss Raphael" userId="3e22ddfc-305e-4818-afd2-461c131e7fef" providerId="ADAL" clId="{EDF1CFBB-5F7C-4275-8ED8-6146AD466CD8}" dt="2025-05-22T14:25:56.700" v="28" actId="478"/>
+          <ac:spMkLst>
+            <pc:docMk/>
+            <pc:sldMk cId="798947896" sldId="266"/>
+            <ac:spMk id="2" creationId="{4F042840-550D-E688-1773-7FFE5C04D7E3}"/>
+          </ac:spMkLst>
+        </pc:spChg>
+        <pc:spChg chg="del">
+          <ac:chgData name="Weiss Raphael" userId="3e22ddfc-305e-4818-afd2-461c131e7fef" providerId="ADAL" clId="{EDF1CFBB-5F7C-4275-8ED8-6146AD466CD8}" dt="2025-05-22T14:25:47.965" v="26" actId="22"/>
+          <ac:spMkLst>
+            <pc:docMk/>
+            <pc:sldMk cId="798947896" sldId="266"/>
+            <ac:spMk id="3" creationId="{EDBF81EF-49B2-C886-02F1-A4DA57A3B2D4}"/>
+          </ac:spMkLst>
+        </pc:spChg>
+        <pc:spChg chg="add mod">
+          <ac:chgData name="Weiss Raphael" userId="3e22ddfc-305e-4818-afd2-461c131e7fef" providerId="ADAL" clId="{EDF1CFBB-5F7C-4275-8ED8-6146AD466CD8}" dt="2025-05-22T14:27:44.531" v="52" actId="20577"/>
+          <ac:spMkLst>
+            <pc:docMk/>
+            <pc:sldMk cId="798947896" sldId="266"/>
+            <ac:spMk id="7" creationId="{A2AEA98C-8395-7A63-0734-64506241A4A8}"/>
+          </ac:spMkLst>
+        </pc:spChg>
+        <pc:spChg chg="add del mod">
+          <ac:chgData name="Weiss Raphael" userId="3e22ddfc-305e-4818-afd2-461c131e7fef" providerId="ADAL" clId="{EDF1CFBB-5F7C-4275-8ED8-6146AD466CD8}" dt="2025-05-22T14:27:28.695" v="36" actId="478"/>
+          <ac:spMkLst>
+            <pc:docMk/>
+            <pc:sldMk cId="798947896" sldId="266"/>
+            <ac:spMk id="9" creationId="{0AB49E16-0E4F-EF31-089F-36E2BB95AECE}"/>
+          </ac:spMkLst>
+        </pc:spChg>
+        <pc:picChg chg="add del mod ord">
+          <ac:chgData name="Weiss Raphael" userId="3e22ddfc-305e-4818-afd2-461c131e7fef" providerId="ADAL" clId="{EDF1CFBB-5F7C-4275-8ED8-6146AD466CD8}" dt="2025-05-22T14:28:16.830" v="57" actId="1076"/>
+          <ac:picMkLst>
+            <pc:docMk/>
+            <pc:sldMk cId="798947896" sldId="266"/>
+            <ac:picMk id="5" creationId="{87F6E009-1AAE-0B00-5EE0-1DB37C8C93CB}"/>
+          </ac:picMkLst>
+        </pc:picChg>
+      </pc:sldChg>
+    </pc:docChg>
+  </pc:docChgLst>
+  <pc:docChgLst>
     <pc:chgData name="Wildhaber Ralph" userId="b39d2334-c612-409d-92bd-81638dab40bd" providerId="ADAL" clId="{9246B68A-3D67-456A-81C7-D367DD9EED80}"/>
     <pc:docChg chg="addSld modSld">
       <pc:chgData name="Wildhaber Ralph" userId="b39d2334-c612-409d-92bd-81638dab40bd" providerId="ADAL" clId="{9246B68A-3D67-456A-81C7-D367DD9EED80}" dt="2025-05-20T15:02:58.457" v="30" actId="20577"/>
@@ -160,14 +303,6 @@
           <pc:docMk/>
           <pc:sldMk cId="798947896" sldId="266"/>
         </pc:sldMkLst>
-        <pc:spChg chg="mod">
-          <ac:chgData name="Wildhaber Ralph" userId="b39d2334-c612-409d-92bd-81638dab40bd" providerId="ADAL" clId="{9246B68A-3D67-456A-81C7-D367DD9EED80}" dt="2025-05-20T15:02:58.457" v="30" actId="20577"/>
-          <ac:spMkLst>
-            <pc:docMk/>
-            <pc:sldMk cId="798947896" sldId="266"/>
-            <ac:spMk id="2" creationId="{4F042840-550D-E688-1773-7FFE5C04D7E3}"/>
-          </ac:spMkLst>
-        </pc:spChg>
       </pc:sldChg>
     </pc:docChg>
   </pc:docChgLst>
@@ -7388,7 +7523,7 @@
           <a:p>
             <a:fld id="{2CAD42AB-B69A-4946-8017-103A5C862F03}" type="datetimeFigureOut">
               <a:rPr lang="de-CH" smtClean="0"/>
-              <a:t>20.05.2025</a:t>
+              <a:t>22.05.2025</a:t>
             </a:fld>
             <a:endParaRPr lang="de-CH"/>
           </a:p>
@@ -7721,6 +7856,90 @@
           <a:p>
             <a:fld id="{32056858-A6AC-4349-AA98-526E4C8F3C8E}" type="slidenum">
               <a:rPr lang="de-CH" smtClean="0"/>
+              <a:t>1</a:t>
+            </a:fld>
+            <a:endParaRPr lang="de-CH"/>
+          </a:p>
+        </p:txBody>
+      </p:sp>
+    </p:spTree>
+    <p:extLst>
+      <p:ext uri="{BB962C8B-B14F-4D97-AF65-F5344CB8AC3E}">
+        <p14:creationId xmlns:p14="http://schemas.microsoft.com/office/powerpoint/2010/main" val="3358174127"/>
+      </p:ext>
+    </p:extLst>
+  </p:cSld>
+  <p:clrMapOvr>
+    <a:masterClrMapping/>
+  </p:clrMapOvr>
+</p:notes>
+</file>
+
+<file path=ppt/notesSlides/notesSlide2.xml><?xml version="1.0" encoding="utf-8"?>
+<p:notes xmlns:a="http://schemas.openxmlformats.org/drawingml/2006/main" xmlns:r="http://schemas.openxmlformats.org/officeDocument/2006/relationships" xmlns:p="http://schemas.openxmlformats.org/presentationml/2006/main">
+  <p:cSld>
+    <p:spTree>
+      <p:nvGrpSpPr>
+        <p:cNvPr id="1" name=""/>
+        <p:cNvGrpSpPr/>
+        <p:nvPr/>
+      </p:nvGrpSpPr>
+      <p:grpSpPr>
+        <a:xfrm>
+          <a:off x="0" y="0"/>
+          <a:ext cx="0" cy="0"/>
+          <a:chOff x="0" y="0"/>
+          <a:chExt cx="0" cy="0"/>
+        </a:xfrm>
+      </p:grpSpPr>
+      <p:sp>
+        <p:nvSpPr>
+          <p:cNvPr id="2" name="Folienbildplatzhalter 1"/>
+          <p:cNvSpPr>
+            <a:spLocks noGrp="1" noRot="1" noChangeAspect="1"/>
+          </p:cNvSpPr>
+          <p:nvPr>
+            <p:ph type="sldImg"/>
+          </p:nvPr>
+        </p:nvSpPr>
+        <p:spPr/>
+      </p:sp>
+      <p:sp>
+        <p:nvSpPr>
+          <p:cNvPr id="3" name="Notizenplatzhalter 2"/>
+          <p:cNvSpPr>
+            <a:spLocks noGrp="1"/>
+          </p:cNvSpPr>
+          <p:nvPr>
+            <p:ph type="body" idx="1"/>
+          </p:nvPr>
+        </p:nvSpPr>
+        <p:spPr/>
+        <p:txBody>
+          <a:bodyPr/>
+          <a:lstStyle/>
+          <a:p>
+            <a:endParaRPr lang="de-CH" dirty="0"/>
+          </a:p>
+        </p:txBody>
+      </p:sp>
+      <p:sp>
+        <p:nvSpPr>
+          <p:cNvPr id="4" name="Foliennummernplatzhalter 3"/>
+          <p:cNvSpPr>
+            <a:spLocks noGrp="1"/>
+          </p:cNvSpPr>
+          <p:nvPr>
+            <p:ph type="sldNum" sz="quarter" idx="5"/>
+          </p:nvPr>
+        </p:nvSpPr>
+        <p:spPr/>
+        <p:txBody>
+          <a:bodyPr/>
+          <a:lstStyle/>
+          <a:p>
+            <a:fld id="{32056858-A6AC-4349-AA98-526E4C8F3C8E}" type="slidenum">
+              <a:rPr lang="de-CH" smtClean="0"/>
               <a:t>4</a:t>
             </a:fld>
             <a:endParaRPr lang="de-CH"/>
@@ -7889,7 +8108,7 @@
           <a:p>
             <a:fld id="{0D35FF70-B7DD-4A2D-8DD6-40BC8B86FE05}" type="datetimeFigureOut">
               <a:rPr lang="de-CH" smtClean="0"/>
-              <a:t>20.05.2025</a:t>
+              <a:t>22.05.2025</a:t>
             </a:fld>
             <a:endParaRPr lang="de-CH"/>
           </a:p>
@@ -8089,7 +8308,7 @@
           <a:p>
             <a:fld id="{0D35FF70-B7DD-4A2D-8DD6-40BC8B86FE05}" type="datetimeFigureOut">
               <a:rPr lang="de-CH" smtClean="0"/>
-              <a:t>20.05.2025</a:t>
+              <a:t>22.05.2025</a:t>
             </a:fld>
             <a:endParaRPr lang="de-CH"/>
           </a:p>
@@ -8299,7 +8518,7 @@
           <a:p>
             <a:fld id="{0D35FF70-B7DD-4A2D-8DD6-40BC8B86FE05}" type="datetimeFigureOut">
               <a:rPr lang="de-CH" smtClean="0"/>
-              <a:t>20.05.2025</a:t>
+              <a:t>22.05.2025</a:t>
             </a:fld>
             <a:endParaRPr lang="de-CH"/>
           </a:p>
@@ -8499,7 +8718,7 @@
           <a:p>
             <a:fld id="{0D35FF70-B7DD-4A2D-8DD6-40BC8B86FE05}" type="datetimeFigureOut">
               <a:rPr lang="de-CH" smtClean="0"/>
-              <a:t>20.05.2025</a:t>
+              <a:t>22.05.2025</a:t>
             </a:fld>
             <a:endParaRPr lang="de-CH"/>
           </a:p>
@@ -8775,7 +8994,7 @@
           <a:p>
             <a:fld id="{0D35FF70-B7DD-4A2D-8DD6-40BC8B86FE05}" type="datetimeFigureOut">
               <a:rPr lang="de-CH" smtClean="0"/>
-              <a:t>20.05.2025</a:t>
+              <a:t>22.05.2025</a:t>
             </a:fld>
             <a:endParaRPr lang="de-CH"/>
           </a:p>
@@ -9043,7 +9262,7 @@
           <a:p>
             <a:fld id="{0D35FF70-B7DD-4A2D-8DD6-40BC8B86FE05}" type="datetimeFigureOut">
               <a:rPr lang="de-CH" smtClean="0"/>
-              <a:t>20.05.2025</a:t>
+              <a:t>22.05.2025</a:t>
             </a:fld>
             <a:endParaRPr lang="de-CH"/>
           </a:p>
@@ -9458,7 +9677,7 @@
           <a:p>
             <a:fld id="{0D35FF70-B7DD-4A2D-8DD6-40BC8B86FE05}" type="datetimeFigureOut">
               <a:rPr lang="de-CH" smtClean="0"/>
-              <a:t>20.05.2025</a:t>
+              <a:t>22.05.2025</a:t>
             </a:fld>
             <a:endParaRPr lang="de-CH"/>
           </a:p>
@@ -9600,7 +9819,7 @@
           <a:p>
             <a:fld id="{0D35FF70-B7DD-4A2D-8DD6-40BC8B86FE05}" type="datetimeFigureOut">
               <a:rPr lang="de-CH" smtClean="0"/>
-              <a:t>20.05.2025</a:t>
+              <a:t>22.05.2025</a:t>
             </a:fld>
             <a:endParaRPr lang="de-CH"/>
           </a:p>
@@ -9713,7 +9932,7 @@
           <a:p>
             <a:fld id="{0D35FF70-B7DD-4A2D-8DD6-40BC8B86FE05}" type="datetimeFigureOut">
               <a:rPr lang="de-CH" smtClean="0"/>
-              <a:t>20.05.2025</a:t>
+              <a:t>22.05.2025</a:t>
             </a:fld>
             <a:endParaRPr lang="de-CH"/>
           </a:p>
@@ -10026,7 +10245,7 @@
           <a:p>
             <a:fld id="{0D35FF70-B7DD-4A2D-8DD6-40BC8B86FE05}" type="datetimeFigureOut">
               <a:rPr lang="de-CH" smtClean="0"/>
-              <a:t>20.05.2025</a:t>
+              <a:t>22.05.2025</a:t>
             </a:fld>
             <a:endParaRPr lang="de-CH"/>
           </a:p>
@@ -10315,7 +10534,7 @@
           <a:p>
             <a:fld id="{0D35FF70-B7DD-4A2D-8DD6-40BC8B86FE05}" type="datetimeFigureOut">
               <a:rPr lang="de-CH" smtClean="0"/>
-              <a:t>20.05.2025</a:t>
+              <a:t>22.05.2025</a:t>
             </a:fld>
             <a:endParaRPr lang="de-CH"/>
           </a:p>
@@ -10558,7 +10777,7 @@
           <a:p>
             <a:fld id="{0D35FF70-B7DD-4A2D-8DD6-40BC8B86FE05}" type="datetimeFigureOut">
               <a:rPr lang="de-CH" smtClean="0"/>
-              <a:t>20.05.2025</a:t>
+              <a:t>22.05.2025</a:t>
             </a:fld>
             <a:endParaRPr lang="de-CH"/>
           </a:p>
@@ -10961,6 +11180,14 @@
 <file path=ppt/slides/slide1.xml><?xml version="1.0" encoding="utf-8"?>
 <p:sld xmlns:a="http://schemas.openxmlformats.org/drawingml/2006/main" xmlns:r="http://schemas.openxmlformats.org/officeDocument/2006/relationships" xmlns:p="http://schemas.openxmlformats.org/presentationml/2006/main">
   <p:cSld>
+    <p:bg>
+      <p:bgPr>
+        <a:solidFill>
+          <a:schemeClr val="bg1"/>
+        </a:solidFill>
+        <a:effectLst/>
+      </p:bgPr>
+    </p:bg>
     <p:spTree>
       <p:nvGrpSpPr>
         <p:cNvPr id="1" name="">
@@ -10981,12 +11208,72 @@
           <a:chExt cx="0" cy="0"/>
         </a:xfrm>
       </p:grpSpPr>
+      <p:sp useBgFill="1">
+        <p:nvSpPr>
+          <p:cNvPr id="18" name="Rectangle 11">
+            <a:extLst>
+              <a:ext uri="{FF2B5EF4-FFF2-40B4-BE49-F238E27FC236}">
+                <a16:creationId xmlns:a16="http://schemas.microsoft.com/office/drawing/2014/main" id="{ECC07320-C2CA-4E29-8481-9D9E143C7788}"/>
+              </a:ext>
+              <a:ext uri="{C183D7F6-B498-43B3-948B-1728B52AA6E4}">
+                <adec:decorative xmlns:adec="http://schemas.microsoft.com/office/drawing/2017/decorative" val="1"/>
+              </a:ext>
+            </a:extLst>
+          </p:cNvPr>
+          <p:cNvSpPr>
+            <a:spLocks noGrp="1" noRot="1" noChangeAspect="1" noMove="1" noResize="1" noEditPoints="1" noAdjustHandles="1" noChangeArrowheads="1" noChangeShapeType="1" noTextEdit="1"/>
+          </p:cNvSpPr>
+          <p:nvPr>
+            <p:extLst>
+              <p:ext uri="{386F3935-93C4-4BCD-93E2-E3B085C9AB24}">
+                <p16:designElem xmlns:p16="http://schemas.microsoft.com/office/powerpoint/2015/main" val="1"/>
+              </p:ext>
+            </p:extLst>
+          </p:nvPr>
+        </p:nvSpPr>
+        <p:spPr>
+          <a:xfrm>
+            <a:off x="-1" y="0"/>
+            <a:ext cx="12188952" cy="6858000"/>
+          </a:xfrm>
+          <a:prstGeom prst="rect">
+            <a:avLst/>
+          </a:prstGeom>
+          <a:ln>
+            <a:noFill/>
+          </a:ln>
+        </p:spPr>
+        <p:style>
+          <a:lnRef idx="2">
+            <a:schemeClr val="accent1">
+              <a:shade val="50000"/>
+            </a:schemeClr>
+          </a:lnRef>
+          <a:fillRef idx="1">
+            <a:schemeClr val="accent1"/>
+          </a:fillRef>
+          <a:effectRef idx="0">
+            <a:schemeClr val="accent1"/>
+          </a:effectRef>
+          <a:fontRef idx="minor">
+            <a:schemeClr val="lt1"/>
+          </a:fontRef>
+        </p:style>
+        <p:txBody>
+          <a:bodyPr rtlCol="0" anchor="ctr"/>
+          <a:lstStyle/>
+          <a:p>
+            <a:pPr algn="ctr"/>
+            <a:endParaRPr lang="en-US"/>
+          </a:p>
+        </p:txBody>
+      </p:sp>
       <p:pic>
         <p:nvPicPr>
-          <p:cNvPr id="23" name="Grafik 22">
+          <p:cNvPr id="7" name="Grafik 6">
             <a:extLst>
               <a:ext uri="{FF2B5EF4-FFF2-40B4-BE49-F238E27FC236}">
-                <a16:creationId xmlns:a16="http://schemas.microsoft.com/office/drawing/2014/main" id="{454F4595-023C-F55C-1DEB-56A4CE0BBB49}"/>
+                <a16:creationId xmlns:a16="http://schemas.microsoft.com/office/drawing/2014/main" id="{1B1E25B5-5A52-9943-7EE6-02DF3EDC10A8}"/>
               </a:ext>
             </a:extLst>
           </p:cNvPr>
@@ -10996,25 +11283,108 @@
           <p:nvPr/>
         </p:nvPicPr>
         <p:blipFill>
-          <a:blip r:embed="rId2"/>
-          <a:srcRect t="2435" r="36225" b="6656"/>
+          <a:blip r:embed="rId3"/>
+          <a:srcRect r="23509" b="1"/>
           <a:stretch>
             <a:fillRect/>
           </a:stretch>
         </p:blipFill>
         <p:spPr>
           <a:xfrm>
-            <a:off x="3523488" y="10"/>
-            <a:ext cx="8668512" cy="6857990"/>
+            <a:off x="2522358" y="10"/>
+            <a:ext cx="9669642" cy="6857990"/>
           </a:xfrm>
           <a:prstGeom prst="rect">
             <a:avLst/>
           </a:prstGeom>
-          <a:effectLst>
-            <a:softEdge rad="317500"/>
-          </a:effectLst>
         </p:spPr>
       </p:pic>
+      <p:sp>
+        <p:nvSpPr>
+          <p:cNvPr id="19" name="Rectangle 13">
+            <a:extLst>
+              <a:ext uri="{FF2B5EF4-FFF2-40B4-BE49-F238E27FC236}">
+                <a16:creationId xmlns:a16="http://schemas.microsoft.com/office/drawing/2014/main" id="{178FB36B-5BFE-42CA-BC60-1115E0D95EEC}"/>
+              </a:ext>
+              <a:ext uri="{C183D7F6-B498-43B3-948B-1728B52AA6E4}">
+                <adec:decorative xmlns:adec="http://schemas.microsoft.com/office/drawing/2017/decorative" val="1"/>
+              </a:ext>
+            </a:extLst>
+          </p:cNvPr>
+          <p:cNvSpPr>
+            <a:spLocks noGrp="1" noRot="1" noChangeAspect="1" noMove="1" noResize="1" noEditPoints="1" noAdjustHandles="1" noChangeArrowheads="1" noChangeShapeType="1" noTextEdit="1"/>
+          </p:cNvSpPr>
+          <p:nvPr>
+            <p:extLst>
+              <p:ext uri="{386F3935-93C4-4BCD-93E2-E3B085C9AB24}">
+                <p16:designElem xmlns:p16="http://schemas.microsoft.com/office/powerpoint/2015/main" val="1"/>
+              </p:ext>
+            </p:extLst>
+          </p:nvPr>
+        </p:nvSpPr>
+        <p:spPr>
+          <a:xfrm>
+            <a:off x="0" y="0"/>
+            <a:ext cx="7066978" cy="6858000"/>
+          </a:xfrm>
+          <a:prstGeom prst="rect">
+            <a:avLst/>
+          </a:prstGeom>
+          <a:gradFill>
+            <a:gsLst>
+              <a:gs pos="48000">
+                <a:schemeClr val="bg1"/>
+              </a:gs>
+              <a:gs pos="35000">
+                <a:schemeClr val="bg1">
+                  <a:alpha val="77000"/>
+                </a:schemeClr>
+              </a:gs>
+              <a:gs pos="19000">
+                <a:schemeClr val="bg1">
+                  <a:alpha val="38000"/>
+                </a:schemeClr>
+              </a:gs>
+              <a:gs pos="0">
+                <a:schemeClr val="bg1">
+                  <a:alpha val="0"/>
+                </a:schemeClr>
+              </a:gs>
+              <a:gs pos="100000">
+                <a:schemeClr val="bg1"/>
+              </a:gs>
+            </a:gsLst>
+            <a:lin ang="10800000" scaled="0"/>
+          </a:gradFill>
+          <a:ln>
+            <a:noFill/>
+          </a:ln>
+        </p:spPr>
+        <p:style>
+          <a:lnRef idx="2">
+            <a:schemeClr val="accent1">
+              <a:shade val="50000"/>
+            </a:schemeClr>
+          </a:lnRef>
+          <a:fillRef idx="1">
+            <a:schemeClr val="accent1"/>
+          </a:fillRef>
+          <a:effectRef idx="0">
+            <a:schemeClr val="accent1"/>
+          </a:effectRef>
+          <a:fontRef idx="minor">
+            <a:schemeClr val="lt1"/>
+          </a:fontRef>
+        </p:style>
+        <p:txBody>
+          <a:bodyPr rtlCol="0" anchor="ctr"/>
+          <a:lstStyle/>
+          <a:p>
+            <a:pPr algn="ctr"/>
+            <a:endParaRPr lang="en-US" dirty="0"/>
+          </a:p>
+        </p:txBody>
+      </p:sp>
       <p:sp>
         <p:nvSpPr>
           <p:cNvPr id="2" name="Titel 1">
@@ -11033,27 +11403,24 @@
         </p:nvSpPr>
         <p:spPr>
           <a:xfrm>
-            <a:off x="477981" y="1122363"/>
-            <a:ext cx="4023360" cy="3204134"/>
+            <a:off x="952228" y="743447"/>
+            <a:ext cx="3973385" cy="3692028"/>
           </a:xfrm>
+          <a:noFill/>
         </p:spPr>
         <p:txBody>
-          <a:bodyPr vert="horz" lIns="91440" tIns="45720" rIns="91440" bIns="45720" rtlCol="0" anchor="b">
+          <a:bodyPr vert="horz" lIns="91440" tIns="45720" rIns="91440" bIns="45720" rtlCol="0">
             <a:normAutofit/>
           </a:bodyPr>
           <a:lstStyle/>
           <a:p>
             <a:pPr algn="l"/>
             <a:br>
-              <a:rPr lang="en-US" sz="4800" dirty="0"/>
+              <a:rPr lang="en-US" sz="4400"/>
             </a:br>
             <a:r>
-              <a:rPr lang="en-US" sz="4800" dirty="0" err="1"/>
-              <a:t>Personewagen</a:t>
-            </a:r>
-            <a:r>
-              <a:rPr lang="en-US" sz="4800" dirty="0"/>
-              <a:t>-Dashboard</a:t>
+              <a:rPr lang="en-US" sz="4400"/>
+              <a:t>Personewagen-Dashboard</a:t>
             </a:r>
           </a:p>
         </p:txBody>
@@ -11076,64 +11443,53 @@
         </p:nvSpPr>
         <p:spPr>
           <a:xfrm>
-            <a:off x="477980" y="4872922"/>
-            <a:ext cx="4023359" cy="1655882"/>
+            <a:off x="952229" y="4629234"/>
+            <a:ext cx="3973386" cy="1485319"/>
           </a:xfrm>
+          <a:noFill/>
         </p:spPr>
         <p:txBody>
           <a:bodyPr vert="horz" lIns="91440" tIns="45720" rIns="91440" bIns="45720" rtlCol="0">
-            <a:normAutofit fontScale="77500" lnSpcReduction="20000"/>
+            <a:normAutofit/>
           </a:bodyPr>
           <a:lstStyle/>
           <a:p>
             <a:pPr algn="l"/>
-            <a:endParaRPr lang="en-US" sz="700" dirty="0"/>
-          </a:p>
-          <a:p>
-            <a:pPr algn="l">
-              <a:lnSpc>
-                <a:spcPct val="170000"/>
-              </a:lnSpc>
-            </a:pPr>
+            <a:endParaRPr lang="en-US" sz="1700"/>
+          </a:p>
+          <a:p>
+            <a:pPr algn="l"/>
             <a:r>
-              <a:rPr lang="en-US" sz="2000" dirty="0"/>
+              <a:rPr lang="en-US" sz="1700"/>
               <a:t>Ralph Wildhaber</a:t>
             </a:r>
           </a:p>
           <a:p>
-            <a:pPr algn="l">
-              <a:lnSpc>
-                <a:spcPct val="170000"/>
-              </a:lnSpc>
-            </a:pPr>
+            <a:pPr algn="l"/>
             <a:r>
-              <a:rPr lang="en-US" sz="2000" dirty="0"/>
+              <a:rPr lang="en-US" sz="1700"/>
               <a:t>Lukas </a:t>
             </a:r>
             <a:r>
-              <a:rPr lang="en-US" sz="2000" dirty="0" err="1"/>
+              <a:rPr lang="en-US" sz="1700" err="1"/>
               <a:t>Temperli</a:t>
             </a:r>
-            <a:endParaRPr lang="en-US" sz="2000" dirty="0"/>
-          </a:p>
-          <a:p>
-            <a:pPr algn="l">
-              <a:lnSpc>
-                <a:spcPct val="170000"/>
-              </a:lnSpc>
-            </a:pPr>
+            <a:endParaRPr lang="en-US" sz="1700"/>
+          </a:p>
+          <a:p>
+            <a:pPr algn="l"/>
             <a:r>
-              <a:rPr lang="en-US" sz="2000" dirty="0"/>
+              <a:rPr lang="en-US" sz="1700"/>
               <a:t>Raphael Weiss</a:t>
             </a:r>
           </a:p>
           <a:p>
             <a:pPr algn="l"/>
-            <a:endParaRPr lang="en-US" sz="700" dirty="0"/>
+            <a:endParaRPr lang="en-US" sz="1700"/>
           </a:p>
           <a:p>
             <a:pPr algn="l"/>
-            <a:endParaRPr lang="en-US" sz="700" dirty="0"/>
+            <a:endParaRPr lang="en-US" sz="1700"/>
           </a:p>
         </p:txBody>
       </p:sp>
@@ -11677,12 +12033,41 @@
           <a:chExt cx="0" cy="0"/>
         </a:xfrm>
       </p:grpSpPr>
+      <p:pic>
+        <p:nvPicPr>
+          <p:cNvPr id="5" name="Inhaltsplatzhalter 4">
+            <a:extLst>
+              <a:ext uri="{FF2B5EF4-FFF2-40B4-BE49-F238E27FC236}">
+                <a16:creationId xmlns:a16="http://schemas.microsoft.com/office/drawing/2014/main" id="{87F6E009-1AAE-0B00-5EE0-1DB37C8C93CB}"/>
+              </a:ext>
+            </a:extLst>
+          </p:cNvPr>
+          <p:cNvPicPr>
+            <a:picLocks noGrp="1" noChangeAspect="1"/>
+          </p:cNvPicPr>
+          <p:nvPr>
+            <p:ph idx="1"/>
+          </p:nvPr>
+        </p:nvPicPr>
+        <p:blipFill>
+          <a:blip r:embed="rId2"/>
+          <a:stretch>
+            <a:fillRect/>
+          </a:stretch>
+        </p:blipFill>
+        <p:spPr>
+          <a:xfrm>
+            <a:off x="838200" y="1354618"/>
+            <a:ext cx="9451428" cy="5138257"/>
+          </a:xfrm>
+        </p:spPr>
+      </p:pic>
       <p:sp>
         <p:nvSpPr>
-          <p:cNvPr id="2" name="Titel 1">
+          <p:cNvPr id="7" name="Titel 6">
             <a:extLst>
               <a:ext uri="{FF2B5EF4-FFF2-40B4-BE49-F238E27FC236}">
-                <a16:creationId xmlns:a16="http://schemas.microsoft.com/office/drawing/2014/main" id="{4F042840-550D-E688-1773-7FFE5C04D7E3}"/>
+                <a16:creationId xmlns:a16="http://schemas.microsoft.com/office/drawing/2014/main" id="{A2AEA98C-8395-7A63-0734-64506241A4A8}"/>
               </a:ext>
             </a:extLst>
           </p:cNvPr>
@@ -11699,34 +12084,10 @@
           <a:lstStyle/>
           <a:p>
             <a:r>
-              <a:rPr lang="de-CH" dirty="0"/>
-              <a:t>Screenshot einfügen</a:t>
+              <a:rPr lang="de-DE" dirty="0"/>
+              <a:t>Screenshot</a:t>
             </a:r>
-          </a:p>
-        </p:txBody>
-      </p:sp>
-      <p:sp>
-        <p:nvSpPr>
-          <p:cNvPr id="3" name="Inhaltsplatzhalter 2">
-            <a:extLst>
-              <a:ext uri="{FF2B5EF4-FFF2-40B4-BE49-F238E27FC236}">
-                <a16:creationId xmlns:a16="http://schemas.microsoft.com/office/drawing/2014/main" id="{EDBF81EF-49B2-C886-02F1-A4DA57A3B2D4}"/>
-              </a:ext>
-            </a:extLst>
-          </p:cNvPr>
-          <p:cNvSpPr>
-            <a:spLocks noGrp="1"/>
-          </p:cNvSpPr>
-          <p:nvPr>
-            <p:ph idx="1"/>
-          </p:nvPr>
-        </p:nvSpPr>
-        <p:spPr/>
-        <p:txBody>
-          <a:bodyPr/>
-          <a:lstStyle/>
-          <a:p>
-            <a:endParaRPr lang="de-CH"/>
+            <a:endParaRPr lang="de-CH" dirty="0"/>
           </a:p>
         </p:txBody>
       </p:sp>
